--- a/slides/topic1/zgx.pptx
+++ b/slides/topic1/zgx.pptx
@@ -214,7 +214,7 @@
           <a:p>
             <a:fld id="{6D9215BA-C628-4B9A-89F6-A57E5810AC5D}" type="datetimeFigureOut">
               <a:rPr lang="zh-CN" altLang="en-US" smtClean="0"/>
-              <a:t>2020/2/25</a:t>
+              <a:t>2020/2/29</a:t>
             </a:fld>
             <a:endParaRPr lang="zh-CN" altLang="en-US"/>
           </a:p>
@@ -1266,11 +1266,7 @@
             </a:r>
             <a:r>
               <a:rPr lang="en-US" altLang="zh-CN" baseline="0" smtClean="0"/>
-              <a:t>resnet</a:t>
-            </a:r>
-            <a:r>
-              <a:rPr lang="en-US" altLang="zh-CN" baseline="0" smtClean="0"/>
-              <a:t>, </a:t>
+              <a:t>resnet, </a:t>
             </a:r>
           </a:p>
           <a:p>
@@ -1304,11 +1300,7 @@
             </a:r>
             <a:r>
               <a:rPr lang="zh-CN" altLang="en-US" baseline="0" smtClean="0"/>
-              <a:t>， </a:t>
-            </a:r>
-            <a:r>
-              <a:rPr lang="zh-CN" altLang="en-US" baseline="0" smtClean="0"/>
-              <a:t>实验表明在</a:t>
+              <a:t>， 实验表明在</a:t>
             </a:r>
             <a:r>
               <a:rPr lang="en-US" altLang="zh-CN" baseline="0" smtClean="0"/>
@@ -1367,15 +1359,7 @@
             </a:r>
             <a:r>
               <a:rPr lang="zh-CN" altLang="en-US" baseline="0" smtClean="0"/>
-              <a:t>个样本，</a:t>
-            </a:r>
-            <a:r>
-              <a:rPr lang="zh-CN" altLang="en-US" baseline="0" smtClean="0"/>
-              <a:t>每个样本都从变换集合中，采样两</a:t>
-            </a:r>
-            <a:r>
-              <a:rPr lang="zh-CN" altLang="en-US" baseline="0" smtClean="0"/>
-              <a:t>个变换， 共</a:t>
+              <a:t>个样本，每个样本都从变换集合中，采样两个变换， 共</a:t>
             </a:r>
             <a:r>
               <a:rPr lang="en-US" altLang="zh-CN" baseline="0" smtClean="0"/>
@@ -1414,11 +1398,7 @@
             </a:r>
             <a:r>
               <a:rPr lang="en-US" altLang="zh-CN" baseline="0" smtClean="0"/>
-              <a:t>256-》 </a:t>
-            </a:r>
-            <a:r>
-              <a:rPr lang="en-US" altLang="zh-CN" baseline="0" smtClean="0"/>
-              <a:t>8192,  </a:t>
+              <a:t>256-》 8192,  </a:t>
             </a:r>
             <a:r>
               <a:rPr lang="zh-CN" altLang="en-US" baseline="0" smtClean="0"/>
@@ -1658,11 +1638,7 @@
             </a:r>
             <a:r>
               <a:rPr lang="zh-CN" altLang="en-US" baseline="0" smtClean="0"/>
-              <a:t>方法</a:t>
-            </a:r>
-            <a:r>
-              <a:rPr lang="zh-CN" altLang="en-US" baseline="0" smtClean="0"/>
-              <a:t>比较，结果显著好， 在</a:t>
+              <a:t>方法比较，结果显著好， 在</a:t>
             </a:r>
             <a:r>
               <a:rPr lang="en-US" altLang="zh-CN" baseline="0" smtClean="0"/>
@@ -1893,37 +1869,6 @@
             <a:endParaRPr lang="en-US" altLang="zh-CN" baseline="0" smtClean="0"/>
           </a:p>
           <a:p>
-            <a:r>
-              <a:rPr lang="zh-CN" altLang="en-US" baseline="0" smtClean="0"/>
-              <a:t>我想做的是，对比</a:t>
-            </a:r>
-            <a:r>
-              <a:rPr lang="en-US" altLang="zh-CN" baseline="0" smtClean="0"/>
-              <a:t>context</a:t>
-            </a:r>
-            <a:r>
-              <a:rPr lang="zh-CN" altLang="en-US" baseline="0" smtClean="0"/>
-              <a:t>和</a:t>
-            </a:r>
-            <a:r>
-              <a:rPr lang="en-US" altLang="zh-CN" baseline="0" smtClean="0"/>
-              <a:t>local, global</a:t>
-            </a:r>
-            <a:r>
-              <a:rPr lang="zh-CN" altLang="en-US" baseline="0" smtClean="0"/>
-              <a:t>和</a:t>
-            </a:r>
-            <a:r>
-              <a:rPr lang="en-US" altLang="zh-CN" baseline="0" smtClean="0"/>
-              <a:t>local, </a:t>
-            </a:r>
-            <a:r>
-              <a:rPr lang="zh-CN" altLang="en-US" baseline="0" smtClean="0"/>
-              <a:t>以及局部之间 ，这些在自监督表示学习上的优缺点</a:t>
-            </a:r>
-            <a:endParaRPr lang="en-US" altLang="zh-CN" baseline="0" smtClean="0"/>
-          </a:p>
-          <a:p>
             <a:endParaRPr lang="zh-CN" altLang="en-US"/>
           </a:p>
         </p:txBody>
@@ -2029,11 +1974,7 @@
             </a:r>
             <a:r>
               <a:rPr lang="zh-CN" altLang="en-US" baseline="0" smtClean="0"/>
-              <a:t>定义</a:t>
-            </a:r>
-            <a:r>
-              <a:rPr lang="zh-CN" altLang="en-US" baseline="0" smtClean="0"/>
-              <a:t>特征空间，包含聚类和定义特征空间的属性然后去最大化这些属性；</a:t>
+              <a:t>定义特征空间，包含聚类和定义特征空间的属性然后去最大化这些属性；</a:t>
             </a:r>
             <a:endParaRPr lang="en-US" altLang="zh-CN" baseline="0" smtClean="0"/>
           </a:p>
@@ -2044,11 +1985,7 @@
             </a:r>
             <a:r>
               <a:rPr lang="zh-CN" altLang="en-US" baseline="0" smtClean="0"/>
-              <a:t>自</a:t>
-            </a:r>
-            <a:r>
-              <a:rPr lang="zh-CN" altLang="en-US" baseline="0" smtClean="0"/>
-              <a:t>编码器，自编码器就是构建压缩网络并最小化重建误差  他的变体有去噪自编码器</a:t>
+              <a:t>自编码器，自编码器就是构建压缩网络并最小化重建误差  他的变体有去噪自编码器</a:t>
             </a:r>
             <a:r>
               <a:rPr lang="en-US" altLang="zh-CN" baseline="0" smtClean="0"/>
@@ -2062,11 +1999,7 @@
             </a:r>
             <a:r>
               <a:rPr lang="zh-CN" altLang="en-US" baseline="0" smtClean="0"/>
-              <a:t>生成</a:t>
-            </a:r>
-            <a:r>
-              <a:rPr lang="zh-CN" altLang="en-US" baseline="0" smtClean="0"/>
-              <a:t>对抗网络通过</a:t>
+              <a:t>生成对抗网络通过</a:t>
             </a:r>
             <a:r>
               <a:rPr lang="en-US" altLang="zh-CN" baseline="0" smtClean="0"/>
@@ -2074,15 +2007,7 @@
             </a:r>
             <a:r>
               <a:rPr lang="zh-CN" altLang="en-US" baseline="0" smtClean="0"/>
-              <a:t>对抗学习方式学一个数据上的生成模型</a:t>
-            </a:r>
-            <a:r>
-              <a:rPr lang="zh-CN" altLang="en-US" baseline="0" smtClean="0"/>
-              <a:t>，最近的研究认为他的好处</a:t>
-            </a:r>
-            <a:r>
-              <a:rPr lang="zh-CN" altLang="en-US" baseline="0" smtClean="0"/>
-              <a:t>是适合</a:t>
+              <a:t>对抗学习方式学一个数据上的生成模型，最近的研究认为他的好处是适合</a:t>
             </a:r>
             <a:r>
               <a:rPr lang="en-US" altLang="zh-CN" baseline="0" smtClean="0"/>
@@ -2096,19 +2021,7 @@
             </a:r>
             <a:r>
               <a:rPr lang="zh-CN" altLang="en-US" baseline="0" smtClean="0"/>
-              <a:t>自</a:t>
-            </a:r>
-            <a:r>
-              <a:rPr lang="zh-CN" altLang="en-US" baseline="0" smtClean="0"/>
-              <a:t>监督学习 是根据</a:t>
-            </a:r>
-            <a:r>
-              <a:rPr lang="zh-CN" altLang="en-US" baseline="0" smtClean="0"/>
-              <a:t>输入相关的知识</a:t>
-            </a:r>
-            <a:r>
-              <a:rPr lang="zh-CN" altLang="en-US" baseline="0" smtClean="0"/>
-              <a:t>来定义合理的损失函数，比如图片拼图，视频的帧重排序</a:t>
+              <a:t>自监督学习 是根据输入相关的知识来定义合理的损失函数，比如图片拼图，视频的帧重排序</a:t>
             </a:r>
             <a:endParaRPr lang="en-US" altLang="zh-CN" baseline="0" smtClean="0"/>
           </a:p>
@@ -2269,15 +2182,7 @@
             </a:pPr>
             <a:r>
               <a:rPr lang="zh-CN" altLang="en-US" baseline="0" smtClean="0"/>
-              <a:t>在报告中我将分别从图片，语言，多模态来先介绍自监督学习的几个典型任务，来帮助大家了解自监督学习； 然后我将介绍一篇大规模自监督学习的分析，来和大家一起探讨自监督学习的现状和问题； 最后我将介绍了</a:t>
-            </a:r>
-            <a:r>
-              <a:rPr lang="zh-CN" altLang="en-US" baseline="0" smtClean="0"/>
-              <a:t>两类新的自</a:t>
-            </a:r>
-            <a:r>
-              <a:rPr lang="zh-CN" altLang="en-US" baseline="0" smtClean="0"/>
-              <a:t>监督学习方法</a:t>
+              <a:t>在报告中我将分别从图片，语言，多模态来先介绍自监督学习的几个典型任务，来帮助大家了解自监督学习； 然后我将介绍一篇大规模自监督学习的分析，来和大家一起探讨自监督学习的现状和问题； 最后我将介绍了两类新的自监督学习方法</a:t>
             </a:r>
             <a:endParaRPr lang="en-US" altLang="zh-CN" baseline="0" smtClean="0"/>
           </a:p>
@@ -2392,15 +2297,7 @@
           <a:p>
             <a:r>
               <a:rPr lang="zh-CN" altLang="en-US" smtClean="0"/>
-              <a:t>我们可以从右上角图片看到，它的方法是， 根据一个部分图片，预测图片的附近碎片的位置， 比如这张图片中，通过猫脸的中间部分和它右上角的耳朵 可以预测出</a:t>
-            </a:r>
-            <a:r>
-              <a:rPr lang="zh-CN" altLang="en-US" smtClean="0"/>
-              <a:t>，碎片的位置</a:t>
-            </a:r>
-            <a:r>
-              <a:rPr lang="zh-CN" altLang="en-US" smtClean="0"/>
-              <a:t>是</a:t>
+              <a:t>我们可以从右上角图片看到，它的方法是， 根据一个部分图片，预测图片的附近碎片的位置， 比如这张图片中，通过猫脸的中间部分和它右上角的耳朵 可以预测出，碎片的位置是</a:t>
             </a:r>
             <a:r>
               <a:rPr lang="en-US" altLang="zh-CN" smtClean="0"/>
@@ -2410,11 +2307,7 @@
           <a:p>
             <a:r>
               <a:rPr lang="zh-CN" altLang="en-US" smtClean="0"/>
-              <a:t>研究动机</a:t>
-            </a:r>
-            <a:r>
-              <a:rPr lang="zh-CN" altLang="en-US" smtClean="0"/>
-              <a:t>是通过这个自监督预训练任务学习图片的相似度， 这点被下游的无监督物体发现任务证实。</a:t>
+              <a:t>研究动机是通过这个自监督预训练任务学习图片的相似度， 这点被下游的无监督物体发现任务证实。</a:t>
             </a:r>
             <a:endParaRPr lang="en-US" altLang="zh-CN" smtClean="0"/>
           </a:p>
@@ -2429,11 +2322,7 @@
             </a:r>
             <a:r>
               <a:rPr lang="zh-CN" altLang="en-US" smtClean="0"/>
-              <a:t>比重</a:t>
-            </a:r>
-            <a:r>
-              <a:rPr lang="zh-CN" altLang="en-US" smtClean="0"/>
-              <a:t>新训练好，虽然还比不上</a:t>
+              <a:t>比重新训练好，虽然还比不上</a:t>
             </a:r>
             <a:r>
               <a:rPr lang="en-US" altLang="zh-CN" smtClean="0"/>
@@ -2451,15 +2340,7 @@
           <a:p>
             <a:r>
               <a:rPr lang="zh-CN" altLang="en-US" smtClean="0"/>
-              <a:t>它同时告诉我们自</a:t>
-            </a:r>
-            <a:r>
-              <a:rPr lang="zh-CN" altLang="en-US" smtClean="0"/>
-              <a:t>监督学习在任务设计时也要避免过于简单，比如这个任务里，方框有间距，避免了边界</a:t>
-            </a:r>
-            <a:r>
-              <a:rPr lang="zh-CN" altLang="en-US" smtClean="0"/>
-              <a:t>特征这个解决问题的捷径</a:t>
+              <a:t>它同时告诉我们自监督学习在任务设计时也要避免过于简单，比如这个任务里，方框有间距，避免了边界特征这个解决问题的捷径</a:t>
             </a:r>
             <a:endParaRPr lang="zh-CN" altLang="en-US"/>
           </a:p>
@@ -2547,11 +2428,7 @@
           <a:p>
             <a:r>
               <a:rPr lang="zh-CN" altLang="en-US" smtClean="0"/>
-              <a:t>接下来要讲的第二个图片任务</a:t>
-            </a:r>
-            <a:r>
-              <a:rPr lang="zh-CN" altLang="en-US" smtClean="0"/>
-              <a:t>，</a:t>
+              <a:t>接下来要讲的第二个图片任务，</a:t>
             </a:r>
             <a:r>
               <a:rPr lang="en-US" altLang="zh-CN" sz="1200" b="1" smtClean="0"/>
@@ -2559,30 +2436,14 @@
             </a:r>
             <a:r>
               <a:rPr lang="zh-CN" altLang="en-US" smtClean="0"/>
-              <a:t> </a:t>
-            </a:r>
-            <a:r>
-              <a:rPr lang="zh-CN" altLang="en-US" smtClean="0"/>
-              <a:t>和第一个一样都是利用图片的空间结构特征设计的，顾名思义，他是受拼图启发，用拼图任务做预训练，我们可以在右下角看到任务的示意图</a:t>
-            </a:r>
-            <a:r>
-              <a:rPr lang="zh-CN" altLang="en-US" smtClean="0"/>
-              <a:t>，就是从老虎打乱的碎片预测出拼好的老虎</a:t>
+              <a:t> 和第一个一样都是利用图片的空间结构特征设计的，顾名思义，他是受拼图启发，用拼图任务做预训练，我们可以在右下角看到任务的示意图，就是从老虎打乱的碎片预测出拼好的老虎</a:t>
             </a:r>
             <a:endParaRPr lang="en-US" altLang="zh-CN" smtClean="0"/>
           </a:p>
           <a:p>
             <a:r>
               <a:rPr lang="zh-CN" altLang="en-US" smtClean="0"/>
-              <a:t>作者认为解决</a:t>
-            </a:r>
-            <a:r>
-              <a:rPr lang="zh-CN" altLang="en-US" smtClean="0"/>
-              <a:t>拼图任务适用于物体分类和定位所需的视觉表示，</a:t>
-            </a:r>
-            <a:r>
-              <a:rPr lang="zh-CN" altLang="en-US" smtClean="0"/>
-              <a:t>而且能学到几何和纹理。</a:t>
+              <a:t>作者认为解决拼图任务适用于物体分类和定位所需的视觉表示，而且能学到几何和纹理。</a:t>
             </a:r>
             <a:endParaRPr lang="en-US" altLang="zh-CN" smtClean="0"/>
           </a:p>
@@ -2618,11 +2479,7 @@
           <a:p>
             <a:r>
               <a:rPr lang="zh-CN" altLang="en-US" smtClean="0"/>
-              <a:t>作者通过在图片分类和目标跟踪任务</a:t>
-            </a:r>
-            <a:r>
-              <a:rPr lang="zh-CN" altLang="en-US" smtClean="0"/>
-              <a:t>上，</a:t>
+              <a:t>作者通过在图片分类和目标跟踪任务上，</a:t>
             </a:r>
             <a:r>
               <a:rPr lang="en-US" altLang="zh-CN" smtClean="0"/>
@@ -2630,15 +2487,7 @@
             </a:r>
             <a:r>
               <a:rPr lang="zh-CN" altLang="en-US" smtClean="0"/>
-              <a:t>的</a:t>
-            </a:r>
-            <a:r>
-              <a:rPr lang="zh-CN" altLang="en-US" smtClean="0"/>
-              <a:t>结果，证明</a:t>
-            </a:r>
-            <a:r>
-              <a:rPr lang="zh-CN" altLang="en-US" smtClean="0"/>
-              <a:t>他设计的</a:t>
+              <a:t>的结果，证明他设计的</a:t>
             </a:r>
             <a:r>
               <a:rPr lang="en-US" altLang="zh-CN" smtClean="0"/>
@@ -2781,23 +2630,7 @@
             </a:r>
             <a:r>
               <a:rPr lang="zh-CN" altLang="en-US" baseline="0" smtClean="0"/>
-              <a:t>。 作者的动机</a:t>
-            </a:r>
-            <a:r>
-              <a:rPr lang="zh-CN" altLang="en-US" baseline="0" smtClean="0"/>
-              <a:t>是 基于 </a:t>
-            </a:r>
-            <a:r>
-              <a:rPr lang="zh-CN" altLang="en-US" baseline="0" smtClean="0"/>
-              <a:t>人只有学会图片中物体的概念才能识别</a:t>
-            </a:r>
-            <a:r>
-              <a:rPr lang="zh-CN" altLang="en-US" baseline="0" smtClean="0"/>
-              <a:t>物体旋转这个</a:t>
-            </a:r>
-            <a:r>
-              <a:rPr lang="zh-CN" altLang="en-US" baseline="0" smtClean="0"/>
-              <a:t>直觉。 </a:t>
+              <a:t>。 作者的动机是 基于 人只有学会图片中物体的概念才能识别物体旋转这个直觉。 </a:t>
             </a:r>
             <a:endParaRPr lang="en-US" altLang="zh-CN" baseline="0" smtClean="0"/>
           </a:p>
@@ -2915,29 +2748,7 @@
                 <a:ea typeface="+mn-ea"/>
                 <a:cs typeface="+mn-cs"/>
               </a:rPr>
-              <a:t>自监督表示学习在</a:t>
-            </a:r>
-            <a:r>
-              <a:rPr lang="zh-CN" altLang="en-US" sz="1200" kern="1200" smtClean="0">
-                <a:solidFill>
-                  <a:schemeClr val="tx1"/>
-                </a:solidFill>
-                <a:latin typeface="+mn-lt"/>
-                <a:ea typeface="+mn-ea"/>
-                <a:cs typeface="+mn-cs"/>
-              </a:rPr>
-              <a:t>语言上</a:t>
-            </a:r>
-            <a:r>
-              <a:rPr lang="zh-CN" altLang="en-US" sz="1200" kern="1200" smtClean="0">
-                <a:solidFill>
-                  <a:schemeClr val="tx1"/>
-                </a:solidFill>
-                <a:latin typeface="+mn-lt"/>
-                <a:ea typeface="+mn-ea"/>
-                <a:cs typeface="+mn-cs"/>
-              </a:rPr>
-              <a:t>特别成功，接下来要讲的研究， </a:t>
+              <a:t>自监督表示学习在语言上特别成功，接下来要讲的研究， </a:t>
             </a:r>
             <a:r>
               <a:rPr lang="en-US" altLang="zh-CN" sz="1200" kern="1200" smtClean="0">
@@ -3178,40 +2989,11 @@
             </a:r>
             <a:r>
               <a:rPr lang="zh-CN" altLang="en-US" smtClean="0"/>
-              <a:t>都认为它将之前</a:t>
-            </a:r>
-            <a:r>
-              <a:rPr lang="zh-CN" altLang="en-US" smtClean="0"/>
-              <a:t>的文本自监督学习方法统一</a:t>
-            </a:r>
-            <a:r>
-              <a:rPr lang="zh-CN" altLang="en-US" smtClean="0"/>
-              <a:t>起来，意义重大，所以给他</a:t>
+              <a:t>都认为它将之前的文本自监督学习方法统一起来，意义重大，所以给他</a:t>
             </a:r>
             <a:r>
               <a:rPr lang="en-US" altLang="zh-CN" smtClean="0"/>
               <a:t>spotlight</a:t>
-            </a:r>
-          </a:p>
-          <a:p>
-            <a:endParaRPr lang="en-US" altLang="zh-CN" smtClean="0"/>
-          </a:p>
-          <a:p>
-            <a:r>
-              <a:rPr lang="zh-CN" altLang="en-US" smtClean="0"/>
-              <a:t>我的想法之一是探究</a:t>
-            </a:r>
-            <a:r>
-              <a:rPr lang="en-US" altLang="zh-CN" smtClean="0"/>
-              <a:t>context</a:t>
-            </a:r>
-            <a:r>
-              <a:rPr lang="zh-CN" altLang="en-US" smtClean="0"/>
-              <a:t>与局部， 局部与局部，整体和局部</a:t>
-            </a:r>
-            <a:r>
-              <a:rPr lang="zh-CN" altLang="en-US" baseline="0" smtClean="0"/>
-              <a:t> 三者在表示学习中的差异</a:t>
             </a:r>
             <a:endParaRPr lang="en-US" altLang="zh-CN" smtClean="0"/>
           </a:p>
@@ -3299,19 +3081,7 @@
           <a:p>
             <a:r>
               <a:rPr lang="zh-CN" altLang="en-US" smtClean="0"/>
-              <a:t>多模态表示学习符合我们在学习中结合图像和文字的直觉，如果学会两者</a:t>
-            </a:r>
-            <a:r>
-              <a:rPr lang="zh-CN" altLang="en-US" smtClean="0"/>
-              <a:t>的匹配，</a:t>
-            </a:r>
-            <a:r>
-              <a:rPr lang="zh-CN" altLang="en-US" smtClean="0"/>
-              <a:t>就可以</a:t>
-            </a:r>
-            <a:r>
-              <a:rPr lang="zh-CN" altLang="en-US" smtClean="0"/>
-              <a:t>解决诸如</a:t>
+              <a:t>多模态表示学习符合我们在学习中结合图像和文字的直觉，如果学会两者的匹配，就可以解决诸如</a:t>
             </a:r>
             <a:r>
               <a:rPr lang="en-US" altLang="zh-CN" smtClean="0"/>
@@ -3326,11 +3096,7 @@
           <a:p>
             <a:r>
               <a:rPr lang="zh-CN" altLang="en-US" smtClean="0"/>
-              <a:t>这个</a:t>
-            </a:r>
-            <a:r>
-              <a:rPr lang="zh-CN" altLang="en-US" smtClean="0"/>
-              <a:t>研究是目前多模态自监督预训练上开源的，并且我能复现的，最好的模型，他是用一套并行</a:t>
+              <a:t>这个研究是目前多模态自监督预训练上开源的，并且我能复现的，最好的模型，他是用一套并行</a:t>
             </a:r>
             <a:r>
               <a:rPr lang="en-US" altLang="zh-CN" smtClean="0"/>
@@ -3345,15 +3111,7 @@
           <a:p>
             <a:r>
               <a:rPr lang="zh-CN" altLang="en-US" smtClean="0"/>
-              <a:t>这个研究包含五个预训练目标</a:t>
-            </a:r>
-            <a:r>
-              <a:rPr lang="zh-CN" altLang="en-US" smtClean="0"/>
-              <a:t>，同时进行自监督学习和任务相关的监督学习， </a:t>
-            </a:r>
-            <a:r>
-              <a:rPr lang="zh-CN" altLang="en-US" smtClean="0"/>
-              <a:t>自监督学习的部分</a:t>
+              <a:t>这个研究包含五个预训练目标，同时进行自监督学习和任务相关的监督学习， 自监督学习的部分</a:t>
             </a:r>
             <a:r>
               <a:rPr lang="zh-CN" altLang="en-US" baseline="0" smtClean="0"/>
@@ -3725,7 +3483,7 @@
           <a:p>
             <a:fld id="{E19BA420-BC15-4B41-9F2A-D25014AD15F6}" type="datetimeFigureOut">
               <a:rPr lang="zh-CN" altLang="en-US" smtClean="0"/>
-              <a:t>2020/2/25</a:t>
+              <a:t>2020/2/29</a:t>
             </a:fld>
             <a:endParaRPr lang="zh-CN" altLang="en-US"/>
           </a:p>
@@ -3895,7 +3653,7 @@
           <a:p>
             <a:fld id="{E19BA420-BC15-4B41-9F2A-D25014AD15F6}" type="datetimeFigureOut">
               <a:rPr lang="zh-CN" altLang="en-US" smtClean="0"/>
-              <a:t>2020/2/25</a:t>
+              <a:t>2020/2/29</a:t>
             </a:fld>
             <a:endParaRPr lang="zh-CN" altLang="en-US"/>
           </a:p>
@@ -4075,7 +3833,7 @@
           <a:p>
             <a:fld id="{E19BA420-BC15-4B41-9F2A-D25014AD15F6}" type="datetimeFigureOut">
               <a:rPr lang="zh-CN" altLang="en-US" smtClean="0"/>
-              <a:t>2020/2/25</a:t>
+              <a:t>2020/2/29</a:t>
             </a:fld>
             <a:endParaRPr lang="zh-CN" altLang="en-US"/>
           </a:p>
@@ -4245,7 +4003,7 @@
           <a:p>
             <a:fld id="{E19BA420-BC15-4B41-9F2A-D25014AD15F6}" type="datetimeFigureOut">
               <a:rPr lang="zh-CN" altLang="en-US" smtClean="0"/>
-              <a:t>2020/2/25</a:t>
+              <a:t>2020/2/29</a:t>
             </a:fld>
             <a:endParaRPr lang="zh-CN" altLang="en-US"/>
           </a:p>
@@ -4491,7 +4249,7 @@
           <a:p>
             <a:fld id="{E19BA420-BC15-4B41-9F2A-D25014AD15F6}" type="datetimeFigureOut">
               <a:rPr lang="zh-CN" altLang="en-US" smtClean="0"/>
-              <a:t>2020/2/25</a:t>
+              <a:t>2020/2/29</a:t>
             </a:fld>
             <a:endParaRPr lang="zh-CN" altLang="en-US"/>
           </a:p>
@@ -4723,7 +4481,7 @@
           <a:p>
             <a:fld id="{E19BA420-BC15-4B41-9F2A-D25014AD15F6}" type="datetimeFigureOut">
               <a:rPr lang="zh-CN" altLang="en-US" smtClean="0"/>
-              <a:t>2020/2/25</a:t>
+              <a:t>2020/2/29</a:t>
             </a:fld>
             <a:endParaRPr lang="zh-CN" altLang="en-US"/>
           </a:p>
@@ -5090,7 +4848,7 @@
           <a:p>
             <a:fld id="{E19BA420-BC15-4B41-9F2A-D25014AD15F6}" type="datetimeFigureOut">
               <a:rPr lang="zh-CN" altLang="en-US" smtClean="0"/>
-              <a:t>2020/2/25</a:t>
+              <a:t>2020/2/29</a:t>
             </a:fld>
             <a:endParaRPr lang="zh-CN" altLang="en-US"/>
           </a:p>
@@ -5208,7 +4966,7 @@
           <a:p>
             <a:fld id="{E19BA420-BC15-4B41-9F2A-D25014AD15F6}" type="datetimeFigureOut">
               <a:rPr lang="zh-CN" altLang="en-US" smtClean="0"/>
-              <a:t>2020/2/25</a:t>
+              <a:t>2020/2/29</a:t>
             </a:fld>
             <a:endParaRPr lang="zh-CN" altLang="en-US"/>
           </a:p>
@@ -5303,7 +5061,7 @@
           <a:p>
             <a:fld id="{E19BA420-BC15-4B41-9F2A-D25014AD15F6}" type="datetimeFigureOut">
               <a:rPr lang="zh-CN" altLang="en-US" smtClean="0"/>
-              <a:t>2020/2/25</a:t>
+              <a:t>2020/2/29</a:t>
             </a:fld>
             <a:endParaRPr lang="zh-CN" altLang="en-US"/>
           </a:p>
@@ -5580,7 +5338,7 @@
           <a:p>
             <a:fld id="{E19BA420-BC15-4B41-9F2A-D25014AD15F6}" type="datetimeFigureOut">
               <a:rPr lang="zh-CN" altLang="en-US" smtClean="0"/>
-              <a:t>2020/2/25</a:t>
+              <a:t>2020/2/29</a:t>
             </a:fld>
             <a:endParaRPr lang="zh-CN" altLang="en-US"/>
           </a:p>
@@ -5833,7 +5591,7 @@
           <a:p>
             <a:fld id="{E19BA420-BC15-4B41-9F2A-D25014AD15F6}" type="datetimeFigureOut">
               <a:rPr lang="zh-CN" altLang="en-US" smtClean="0"/>
-              <a:t>2020/2/25</a:t>
+              <a:t>2020/2/29</a:t>
             </a:fld>
             <a:endParaRPr lang="zh-CN" altLang="en-US"/>
           </a:p>
@@ -6046,7 +5804,7 @@
           <a:p>
             <a:fld id="{E19BA420-BC15-4B41-9F2A-D25014AD15F6}" type="datetimeFigureOut">
               <a:rPr lang="zh-CN" altLang="en-US" smtClean="0"/>
-              <a:t>2020/2/25</a:t>
+              <a:t>2020/2/29</a:t>
             </a:fld>
             <a:endParaRPr lang="zh-CN" altLang="en-US"/>
           </a:p>
@@ -7202,11 +6960,7 @@
           <a:p>
             <a:r>
               <a:rPr lang="en-US" altLang="zh-CN" smtClean="0"/>
-              <a:t>Deep Infomax(ICLR2019 Oral</a:t>
-            </a:r>
-            <a:r>
-              <a:rPr lang="en-US" altLang="zh-CN" smtClean="0"/>
-              <a:t>)[7]</a:t>
+              <a:t>Deep Infomax(ICLR2019 Oral)[7]</a:t>
             </a:r>
             <a:endParaRPr lang="zh-CN" altLang="en-US"/>
           </a:p>
@@ -7448,11 +7202,7 @@
           <a:p>
             <a:r>
               <a:rPr lang="en-US" altLang="zh-CN" sz="3200" b="1" smtClean="0"/>
-              <a:t>Contrastive Learning (Preprint) </a:t>
-            </a:r>
-            <a:r>
-              <a:rPr lang="en-US" altLang="zh-CN" sz="3200" b="1" smtClean="0"/>
-              <a:t>[8]</a:t>
+              <a:t>Contrastive Learning (Preprint) [8]</a:t>
             </a:r>
             <a:r>
               <a:rPr lang="en-US" altLang="zh-CN" sz="3600" b="1" smtClean="0"/>
@@ -7611,15 +7361,7 @@
           <a:p>
             <a:r>
               <a:rPr lang="en-US" altLang="zh-CN" sz="3200" b="1" smtClean="0"/>
-              <a:t>Contrastive Learning (Preprint</a:t>
-            </a:r>
-            <a:r>
-              <a:rPr lang="en-US" altLang="zh-CN" sz="3200" b="1" smtClean="0"/>
-              <a:t>)[8]</a:t>
-            </a:r>
-            <a:r>
-              <a:rPr lang="en-US" altLang="zh-CN" sz="3200" b="1" smtClean="0"/>
-              <a:t/>
+              <a:t>Contrastive Learning (Preprint)[8]</a:t>
             </a:r>
             <a:br>
               <a:rPr lang="en-US" altLang="zh-CN" sz="3200" b="1" smtClean="0"/>
@@ -8025,15 +7767,7 @@
           <a:p>
             <a:r>
               <a:rPr lang="en-US" altLang="zh-CN" sz="3600" b="1" smtClean="0"/>
-              <a:t>Contrastive Learning (Preprint</a:t>
-            </a:r>
-            <a:r>
-              <a:rPr lang="en-US" altLang="zh-CN" sz="3600" b="1" smtClean="0"/>
-              <a:t>)[8]</a:t>
-            </a:r>
-            <a:r>
-              <a:rPr lang="en-US" altLang="zh-CN" sz="3600" b="1" smtClean="0"/>
-              <a:t/>
+              <a:t>Contrastive Learning (Preprint)[8]</a:t>
             </a:r>
             <a:br>
               <a:rPr lang="en-US" altLang="zh-CN" sz="3600" b="1" smtClean="0"/>
@@ -8229,15 +7963,7 @@
           <a:p>
             <a:r>
               <a:rPr lang="en-US" altLang="zh-CN" sz="3600" b="1" smtClean="0"/>
-              <a:t>Contrastive Learning (Preprint</a:t>
-            </a:r>
-            <a:r>
-              <a:rPr lang="en-US" altLang="zh-CN" sz="3600" b="1" smtClean="0"/>
-              <a:t>)[8]</a:t>
-            </a:r>
-            <a:r>
-              <a:rPr lang="en-US" altLang="zh-CN" sz="3600" b="1" smtClean="0"/>
-              <a:t/>
+              <a:t>Contrastive Learning (Preprint)[8]</a:t>
             </a:r>
             <a:br>
               <a:rPr lang="en-US" altLang="zh-CN" sz="3600" b="1" smtClean="0"/>
@@ -8494,7 +8220,7 @@
         </p:spPr>
         <p:txBody>
           <a:bodyPr>
-            <a:normAutofit fontScale="70000" lnSpcReduction="20000"/>
+            <a:normAutofit fontScale="55000" lnSpcReduction="20000"/>
           </a:bodyPr>
           <a:lstStyle/>
           <a:p>
@@ -8636,11 +8362,7 @@
             </a:pPr>
             <a:r>
               <a:rPr lang="en-US" altLang="zh-CN" b="1" smtClean="0"/>
-              <a:t>Contrastive </a:t>
-            </a:r>
-            <a:r>
-              <a:rPr lang="en-US" altLang="zh-CN" b="1" smtClean="0"/>
-              <a:t>learning: </a:t>
+              <a:t>Contrastive learning: </a:t>
             </a:r>
           </a:p>
           <a:p>
@@ -8649,11 +8371,41 @@
             </a:pPr>
             <a:r>
               <a:rPr lang="en-US" altLang="zh-CN" smtClean="0"/>
-              <a:t>[8] </a:t>
-            </a:r>
-            <a:r>
-              <a:rPr lang="en-US" altLang="zh-CN" smtClean="0"/>
-              <a:t>A Simple Framework for Contrastive Learning of Visual Representations (Preprint)</a:t>
+              <a:t>[8] A Simple Framework for Contrastive Learning of Visual Representations (Preprint</a:t>
+            </a:r>
+            <a:r>
+              <a:rPr lang="en-US" altLang="zh-CN" smtClean="0"/>
+              <a:t>)</a:t>
+            </a:r>
+          </a:p>
+          <a:p>
+            <a:pPr marL="0" indent="0">
+              <a:buNone/>
+            </a:pPr>
+            <a:r>
+              <a:rPr lang="en-US" altLang="zh-CN" b="1" smtClean="0"/>
+              <a:t>Meta learning:</a:t>
+            </a:r>
+          </a:p>
+          <a:p>
+            <a:pPr marL="0" indent="0">
+              <a:buNone/>
+            </a:pPr>
+            <a:r>
+              <a:rPr lang="en-US" altLang="zh-CN"/>
+              <a:t>[9] META-LEARNING UPDATE RULES </a:t>
+            </a:r>
+            <a:r>
+              <a:rPr lang="en-US" altLang="zh-CN"/>
+              <a:t>FOR </a:t>
+            </a:r>
+            <a:r>
+              <a:rPr lang="en-US" altLang="zh-CN" smtClean="0"/>
+              <a:t>UNSUPERVISED REPRESENTATION </a:t>
+            </a:r>
+            <a:r>
+              <a:rPr lang="en-US" altLang="zh-CN"/>
+              <a:t>LEARNING</a:t>
             </a:r>
           </a:p>
           <a:p>
@@ -8759,8 +8511,13 @@
           <a:p>
             <a:r>
               <a:rPr lang="en-US" altLang="zh-CN" b="1" smtClean="0"/>
-              <a:t>Four methods</a:t>
-            </a:r>
+              <a:t>Four </a:t>
+            </a:r>
+            <a:r>
+              <a:rPr lang="en-US" altLang="zh-CN" b="1" smtClean="0"/>
+              <a:t>methods [9]</a:t>
+            </a:r>
+            <a:endParaRPr lang="en-US" altLang="zh-CN" b="1" smtClean="0"/>
           </a:p>
           <a:p>
             <a:pPr lvl="1"/>
@@ -9290,17 +9047,12 @@
             <a:pPr lvl="1"/>
             <a:r>
               <a:rPr lang="en-US" altLang="zh-CN"/>
-              <a:t>Mutual Information: Deep InfoMax (</a:t>
-            </a:r>
-            <a:r>
-              <a:rPr lang="en-US" altLang="zh-CN"/>
-              <a:t>ICLR19</a:t>
+              <a:t>Mutual Information: Deep InfoMax (ICLR19</a:t>
             </a:r>
             <a:r>
               <a:rPr lang="en-US" altLang="zh-CN" smtClean="0"/>
               <a:t>)</a:t>
             </a:r>
-            <a:endParaRPr lang="en-US" altLang="zh-CN" smtClean="0"/>
           </a:p>
           <a:p>
             <a:pPr lvl="1"/>
@@ -9314,11 +9066,7 @@
             </a:r>
             <a:r>
               <a:rPr lang="en-US" altLang="zh-CN" smtClean="0"/>
-              <a:t>SimCLR (Preprint</a:t>
-            </a:r>
-            <a:r>
-              <a:rPr lang="en-US" altLang="zh-CN" smtClean="0"/>
-              <a:t>)</a:t>
+              <a:t>SimCLR (Preprint)</a:t>
             </a:r>
             <a:endParaRPr lang="en-US" altLang="zh-CN"/>
           </a:p>
